--- a/Week6/week6 Tutorial Class.pptx
+++ b/Week6/week6 Tutorial Class.pptx
@@ -5,10 +5,10 @@
     <p:sldMasterId id="2147483660" r:id="rId1"/>
   </p:sldMasterIdLst>
   <p:notesMasterIdLst>
-    <p:notesMasterId r:id="rId20"/>
+    <p:notesMasterId r:id="rId21"/>
   </p:notesMasterIdLst>
   <p:handoutMasterIdLst>
-    <p:handoutMasterId r:id="rId21"/>
+    <p:handoutMasterId r:id="rId22"/>
   </p:handoutMasterIdLst>
   <p:sldIdLst>
     <p:sldId id="265" r:id="rId2"/>
@@ -26,9 +26,10 @@
     <p:sldId id="520" r:id="rId14"/>
     <p:sldId id="521" r:id="rId15"/>
     <p:sldId id="522" r:id="rId16"/>
-    <p:sldId id="523" r:id="rId17"/>
-    <p:sldId id="524" r:id="rId18"/>
-    <p:sldId id="525" r:id="rId19"/>
+    <p:sldId id="526" r:id="rId17"/>
+    <p:sldId id="523" r:id="rId18"/>
+    <p:sldId id="524" r:id="rId19"/>
+    <p:sldId id="525" r:id="rId20"/>
   </p:sldIdLst>
   <p:sldSz cx="9144000" cy="6858000" type="screen4x3"/>
   <p:notesSz cx="6797675" cy="9874250"/>
@@ -240,7 +241,7 @@
           <a:p>
             <a:fld id="{D9D2A4DD-E6C5-4446-8814-DDCEAB64F4E0}" type="datetimeFigureOut">
               <a:rPr lang="ko-KR" altLang="en-US" smtClean="0"/>
-              <a:t>2023-04-11</a:t>
+              <a:t>2023-04-12</a:t>
             </a:fld>
             <a:endParaRPr lang="ko-KR" altLang="en-US"/>
           </a:p>
@@ -405,7 +406,7 @@
           <a:p>
             <a:fld id="{BF4D36B7-6BC9-4358-A9C9-63F4AFA82B46}" type="datetimeFigureOut">
               <a:rPr lang="ko-KR" altLang="en-US" smtClean="0"/>
-              <a:t>2023-04-11</a:t>
+              <a:t>2023-04-12</a:t>
             </a:fld>
             <a:endParaRPr lang="ko-KR" altLang="en-US"/>
           </a:p>
@@ -1250,7 +1251,7 @@
     </p:spTree>
     <p:extLst>
       <p:ext uri="{BB962C8B-B14F-4D97-AF65-F5344CB8AC3E}">
-        <p14:creationId xmlns:p14="http://schemas.microsoft.com/office/powerpoint/2010/main" val="4142724746"/>
+        <p14:creationId xmlns:p14="http://schemas.microsoft.com/office/powerpoint/2010/main" val="1476331254"/>
       </p:ext>
     </p:extLst>
   </p:cSld>
@@ -1334,7 +1335,7 @@
     </p:spTree>
     <p:extLst>
       <p:ext uri="{BB962C8B-B14F-4D97-AF65-F5344CB8AC3E}">
-        <p14:creationId xmlns:p14="http://schemas.microsoft.com/office/powerpoint/2010/main" val="2626173898"/>
+        <p14:creationId xmlns:p14="http://schemas.microsoft.com/office/powerpoint/2010/main" val="4142724746"/>
       </p:ext>
     </p:extLst>
   </p:cSld>
@@ -1410,6 +1411,90 @@
             <a:fld id="{AE7DD7B4-6F0D-4FE3-8660-A7DE31D2AD67}" type="slidenum">
               <a:rPr lang="ko-KR" altLang="en-US" smtClean="0"/>
               <a:t>18</a:t>
+            </a:fld>
+            <a:endParaRPr lang="ko-KR" altLang="en-US"/>
+          </a:p>
+        </p:txBody>
+      </p:sp>
+    </p:spTree>
+    <p:extLst>
+      <p:ext uri="{BB962C8B-B14F-4D97-AF65-F5344CB8AC3E}">
+        <p14:creationId xmlns:p14="http://schemas.microsoft.com/office/powerpoint/2010/main" val="2626173898"/>
+      </p:ext>
+    </p:extLst>
+  </p:cSld>
+  <p:clrMapOvr>
+    <a:masterClrMapping/>
+  </p:clrMapOvr>
+</p:notes>
+</file>
+
+<file path=ppt/notesSlides/notesSlide18.xml><?xml version="1.0" encoding="utf-8"?>
+<p:notes xmlns:a="http://schemas.openxmlformats.org/drawingml/2006/main" xmlns:r="http://schemas.openxmlformats.org/officeDocument/2006/relationships" xmlns:p="http://schemas.openxmlformats.org/presentationml/2006/main">
+  <p:cSld>
+    <p:spTree>
+      <p:nvGrpSpPr>
+        <p:cNvPr id="1" name=""/>
+        <p:cNvGrpSpPr/>
+        <p:nvPr/>
+      </p:nvGrpSpPr>
+      <p:grpSpPr>
+        <a:xfrm>
+          <a:off x="0" y="0"/>
+          <a:ext cx="0" cy="0"/>
+          <a:chOff x="0" y="0"/>
+          <a:chExt cx="0" cy="0"/>
+        </a:xfrm>
+      </p:grpSpPr>
+      <p:sp>
+        <p:nvSpPr>
+          <p:cNvPr id="2" name="슬라이드 이미지 개체 틀 1"/>
+          <p:cNvSpPr>
+            <a:spLocks noGrp="1" noRot="1" noChangeAspect="1"/>
+          </p:cNvSpPr>
+          <p:nvPr>
+            <p:ph type="sldImg"/>
+          </p:nvPr>
+        </p:nvSpPr>
+        <p:spPr/>
+      </p:sp>
+      <p:sp>
+        <p:nvSpPr>
+          <p:cNvPr id="3" name="슬라이드 노트 개체 틀 2"/>
+          <p:cNvSpPr>
+            <a:spLocks noGrp="1"/>
+          </p:cNvSpPr>
+          <p:nvPr>
+            <p:ph type="body" idx="1"/>
+          </p:nvPr>
+        </p:nvSpPr>
+        <p:spPr/>
+        <p:txBody>
+          <a:bodyPr/>
+          <a:lstStyle/>
+          <a:p>
+            <a:endParaRPr lang="ko-KR" altLang="en-US" dirty="0"/>
+          </a:p>
+        </p:txBody>
+      </p:sp>
+      <p:sp>
+        <p:nvSpPr>
+          <p:cNvPr id="4" name="슬라이드 번호 개체 틀 3"/>
+          <p:cNvSpPr>
+            <a:spLocks noGrp="1"/>
+          </p:cNvSpPr>
+          <p:nvPr>
+            <p:ph type="sldNum" sz="quarter" idx="10"/>
+          </p:nvPr>
+        </p:nvSpPr>
+        <p:spPr/>
+        <p:txBody>
+          <a:bodyPr/>
+          <a:lstStyle/>
+          <a:p>
+            <a:fld id="{AE7DD7B4-6F0D-4FE3-8660-A7DE31D2AD67}" type="slidenum">
+              <a:rPr lang="ko-KR" altLang="en-US" smtClean="0"/>
+              <a:t>19</a:t>
             </a:fld>
             <a:endParaRPr lang="ko-KR" altLang="en-US"/>
           </a:p>
@@ -2231,7 +2316,7 @@
           <a:p>
             <a:fld id="{178ADFAC-D890-497A-A497-2A400DD02E74}" type="datetimeFigureOut">
               <a:rPr lang="ko-KR" altLang="en-US" smtClean="0"/>
-              <a:t>2023-04-11</a:t>
+              <a:t>2023-04-12</a:t>
             </a:fld>
             <a:endParaRPr lang="ko-KR" altLang="en-US"/>
           </a:p>
@@ -2401,7 +2486,7 @@
           <a:p>
             <a:fld id="{178ADFAC-D890-497A-A497-2A400DD02E74}" type="datetimeFigureOut">
               <a:rPr lang="ko-KR" altLang="en-US" smtClean="0"/>
-              <a:t>2023-04-11</a:t>
+              <a:t>2023-04-12</a:t>
             </a:fld>
             <a:endParaRPr lang="ko-KR" altLang="en-US"/>
           </a:p>
@@ -2581,7 +2666,7 @@
           <a:p>
             <a:fld id="{178ADFAC-D890-497A-A497-2A400DD02E74}" type="datetimeFigureOut">
               <a:rPr lang="ko-KR" altLang="en-US" smtClean="0"/>
-              <a:t>2023-04-11</a:t>
+              <a:t>2023-04-12</a:t>
             </a:fld>
             <a:endParaRPr lang="ko-KR" altLang="en-US"/>
           </a:p>
@@ -2751,7 +2836,7 @@
           <a:p>
             <a:fld id="{178ADFAC-D890-497A-A497-2A400DD02E74}" type="datetimeFigureOut">
               <a:rPr lang="ko-KR" altLang="en-US" smtClean="0"/>
-              <a:t>2023-04-11</a:t>
+              <a:t>2023-04-12</a:t>
             </a:fld>
             <a:endParaRPr lang="ko-KR" altLang="en-US"/>
           </a:p>
@@ -2995,7 +3080,7 @@
           <a:p>
             <a:fld id="{178ADFAC-D890-497A-A497-2A400DD02E74}" type="datetimeFigureOut">
               <a:rPr lang="ko-KR" altLang="en-US" smtClean="0"/>
-              <a:t>2023-04-11</a:t>
+              <a:t>2023-04-12</a:t>
             </a:fld>
             <a:endParaRPr lang="ko-KR" altLang="en-US"/>
           </a:p>
@@ -3227,7 +3312,7 @@
           <a:p>
             <a:fld id="{178ADFAC-D890-497A-A497-2A400DD02E74}" type="datetimeFigureOut">
               <a:rPr lang="ko-KR" altLang="en-US" smtClean="0"/>
-              <a:t>2023-04-11</a:t>
+              <a:t>2023-04-12</a:t>
             </a:fld>
             <a:endParaRPr lang="ko-KR" altLang="en-US"/>
           </a:p>
@@ -3594,7 +3679,7 @@
           <a:p>
             <a:fld id="{178ADFAC-D890-497A-A497-2A400DD02E74}" type="datetimeFigureOut">
               <a:rPr lang="ko-KR" altLang="en-US" smtClean="0"/>
-              <a:t>2023-04-11</a:t>
+              <a:t>2023-04-12</a:t>
             </a:fld>
             <a:endParaRPr lang="ko-KR" altLang="en-US"/>
           </a:p>
@@ -3712,7 +3797,7 @@
           <a:p>
             <a:fld id="{178ADFAC-D890-497A-A497-2A400DD02E74}" type="datetimeFigureOut">
               <a:rPr lang="ko-KR" altLang="en-US" smtClean="0"/>
-              <a:t>2023-04-11</a:t>
+              <a:t>2023-04-12</a:t>
             </a:fld>
             <a:endParaRPr lang="ko-KR" altLang="en-US"/>
           </a:p>
@@ -3807,7 +3892,7 @@
           <a:p>
             <a:fld id="{178ADFAC-D890-497A-A497-2A400DD02E74}" type="datetimeFigureOut">
               <a:rPr lang="ko-KR" altLang="en-US" smtClean="0"/>
-              <a:t>2023-04-11</a:t>
+              <a:t>2023-04-12</a:t>
             </a:fld>
             <a:endParaRPr lang="ko-KR" altLang="en-US"/>
           </a:p>
@@ -4084,7 +4169,7 @@
           <a:p>
             <a:fld id="{178ADFAC-D890-497A-A497-2A400DD02E74}" type="datetimeFigureOut">
               <a:rPr lang="ko-KR" altLang="en-US" smtClean="0"/>
-              <a:t>2023-04-11</a:t>
+              <a:t>2023-04-12</a:t>
             </a:fld>
             <a:endParaRPr lang="ko-KR" altLang="en-US"/>
           </a:p>
@@ -4341,7 +4426,7 @@
           <a:p>
             <a:fld id="{178ADFAC-D890-497A-A497-2A400DD02E74}" type="datetimeFigureOut">
               <a:rPr lang="ko-KR" altLang="en-US" smtClean="0"/>
-              <a:t>2023-04-11</a:t>
+              <a:t>2023-04-12</a:t>
             </a:fld>
             <a:endParaRPr lang="ko-KR" altLang="en-US"/>
           </a:p>
@@ -4554,7 +4639,7 @@
           <a:p>
             <a:fld id="{178ADFAC-D890-497A-A497-2A400DD02E74}" type="datetimeFigureOut">
               <a:rPr lang="ko-KR" altLang="en-US" smtClean="0"/>
-              <a:t>2023-04-11</a:t>
+              <a:t>2023-04-12</a:t>
             </a:fld>
             <a:endParaRPr lang="ko-KR" altLang="en-US"/>
           </a:p>
@@ -7289,7 +7374,7 @@
                 <a:latin typeface="Arial Narrow" panose="020B0606020202030204" pitchFamily="34" charset="0"/>
                 <a:cs typeface="Times New Roman" panose="02020603050405020304" pitchFamily="18" charset="0"/>
               </a:rPr>
-              <a:t>Student exercise</a:t>
+              <a:t>Practice</a:t>
             </a:r>
           </a:p>
         </p:txBody>
@@ -7309,7 +7394,7 @@
         <p:spPr>
           <a:xfrm>
             <a:off x="328771" y="1139130"/>
-            <a:ext cx="7984649" cy="4385368"/>
+            <a:ext cx="7984649" cy="917111"/>
           </a:xfrm>
           <a:prstGeom prst="rect">
             <a:avLst/>
@@ -7335,7 +7420,7 @@
                 </a:solidFill>
                 <a:latin typeface="Arial Narrow" panose="020B0606020202030204" pitchFamily="34" charset="0"/>
               </a:rPr>
-              <a:t>Exercise 1</a:t>
+              <a:t>Practice for class</a:t>
             </a:r>
           </a:p>
           <a:p>
@@ -7353,219 +7438,50 @@
               <a:latin typeface="Arial Narrow" panose="020B0606020202030204" pitchFamily="34" charset="0"/>
             </a:endParaRPr>
           </a:p>
-          <a:p>
-            <a:pPr marL="284400" indent="-284400">
-              <a:lnSpc>
-                <a:spcPct val="150000"/>
-              </a:lnSpc>
-              <a:buFont typeface="Arial" panose="020B0604020202020204" pitchFamily="34" charset="0"/>
-              <a:buChar char="•"/>
-            </a:pPr>
+        </p:txBody>
+      </p:sp>
+      <p:sp>
+        <p:nvSpPr>
+          <p:cNvPr id="2" name="TextBox 1">
+            <a:extLst>
+              <a:ext uri="{FF2B5EF4-FFF2-40B4-BE49-F238E27FC236}">
+                <a16:creationId xmlns:a16="http://schemas.microsoft.com/office/drawing/2014/main" id="{A19E7C2E-A898-E353-FAF1-E0F885521D02}"/>
+              </a:ext>
+            </a:extLst>
+          </p:cNvPr>
+          <p:cNvSpPr txBox="1"/>
+          <p:nvPr/>
+        </p:nvSpPr>
+        <p:spPr>
+          <a:xfrm>
+            <a:off x="1105856" y="2494440"/>
+            <a:ext cx="6465376" cy="646331"/>
+          </a:xfrm>
+          <a:prstGeom prst="rect">
+            <a:avLst/>
+          </a:prstGeom>
+          <a:noFill/>
+        </p:spPr>
+        <p:txBody>
+          <a:bodyPr wrap="square">
+            <a:spAutoFit/>
+          </a:bodyPr>
+          <a:lstStyle/>
+          <a:p>
             <a:r>
               <a:rPr lang="en-US" altLang="ko-KR" dirty="0">
-                <a:solidFill>
-                  <a:srgbClr val="222222"/>
-                </a:solidFill>
-                <a:latin typeface="Arial Narrow" panose="020B0606020202030204" pitchFamily="34" charset="0"/>
-              </a:rPr>
-              <a:t>Background</a:t>
-            </a:r>
-            <a:endParaRPr lang="en-US" altLang="ko-KR" sz="2000" dirty="0">
-              <a:solidFill>
-                <a:srgbClr val="222222"/>
-              </a:solidFill>
-              <a:latin typeface="Arial Narrow" panose="020B0606020202030204" pitchFamily="34" charset="0"/>
-            </a:endParaRPr>
-          </a:p>
-          <a:p>
-            <a:pPr marL="741600" lvl="1" indent="-284400">
-              <a:lnSpc>
-                <a:spcPct val="150000"/>
-              </a:lnSpc>
-              <a:buFont typeface="Arial" panose="020B0604020202020204" pitchFamily="34" charset="0"/>
-              <a:buChar char="•"/>
-            </a:pPr>
-            <a:r>
-              <a:rPr lang="en-US" altLang="ko-KR" sz="1600" dirty="0">
-                <a:solidFill>
-                  <a:srgbClr val="222222"/>
-                </a:solidFill>
-                <a:latin typeface="Arial Narrow" panose="020B0606020202030204" pitchFamily="34" charset="0"/>
-              </a:rPr>
-              <a:t>Alice is a librarian and she wants to create a simple library management system to track the books and their availability. She needs a class to represent the books in the library.</a:t>
-            </a:r>
-          </a:p>
-          <a:p>
-            <a:pPr marL="284400" indent="-284400">
-              <a:lnSpc>
-                <a:spcPct val="150000"/>
-              </a:lnSpc>
-              <a:buFont typeface="Arial" panose="020B0604020202020204" pitchFamily="34" charset="0"/>
-              <a:buChar char="•"/>
-            </a:pPr>
-            <a:endParaRPr lang="en-US" altLang="ko-KR" dirty="0">
-              <a:solidFill>
-                <a:srgbClr val="222222"/>
-              </a:solidFill>
-              <a:latin typeface="Arial Narrow" panose="020B0606020202030204" pitchFamily="34" charset="0"/>
-            </a:endParaRPr>
-          </a:p>
-          <a:p>
-            <a:pPr marL="284400" indent="-284400">
-              <a:lnSpc>
-                <a:spcPct val="150000"/>
-              </a:lnSpc>
-              <a:buFont typeface="Arial" panose="020B0604020202020204" pitchFamily="34" charset="0"/>
-              <a:buChar char="•"/>
-            </a:pPr>
-            <a:r>
-              <a:rPr lang="en-US" altLang="ko-KR" dirty="0">
-                <a:solidFill>
-                  <a:srgbClr val="222222"/>
-                </a:solidFill>
-                <a:latin typeface="Arial Narrow" panose="020B0606020202030204" pitchFamily="34" charset="0"/>
-              </a:rPr>
-              <a:t>Question</a:t>
-            </a:r>
-            <a:endParaRPr lang="en-US" altLang="ko-KR" sz="2000" dirty="0">
-              <a:solidFill>
-                <a:srgbClr val="222222"/>
-              </a:solidFill>
-              <a:latin typeface="Arial Narrow" panose="020B0606020202030204" pitchFamily="34" charset="0"/>
-            </a:endParaRPr>
-          </a:p>
-          <a:p>
-            <a:pPr marL="741600" lvl="1" indent="-284400">
-              <a:lnSpc>
-                <a:spcPct val="150000"/>
-              </a:lnSpc>
-              <a:buFont typeface="Arial" panose="020B0604020202020204" pitchFamily="34" charset="0"/>
-              <a:buChar char="•"/>
-            </a:pPr>
-            <a:r>
-              <a:rPr lang="en-US" altLang="ko-KR" sz="1600" dirty="0">
-                <a:solidFill>
-                  <a:srgbClr val="222222"/>
-                </a:solidFill>
-                <a:latin typeface="Arial Narrow" panose="020B0606020202030204" pitchFamily="34" charset="0"/>
-              </a:rPr>
-              <a:t>Create a Python class called 'Book' with the following attributes: 'title', 'author', '</a:t>
-            </a:r>
-            <a:r>
-              <a:rPr lang="en-US" altLang="ko-KR" sz="1600" dirty="0" err="1">
-                <a:solidFill>
-                  <a:srgbClr val="222222"/>
-                </a:solidFill>
-                <a:latin typeface="Arial Narrow" panose="020B0606020202030204" pitchFamily="34" charset="0"/>
-              </a:rPr>
-              <a:t>publication_year</a:t>
-            </a:r>
-            <a:r>
-              <a:rPr lang="en-US" altLang="ko-KR" sz="1600" dirty="0">
-                <a:solidFill>
-                  <a:srgbClr val="222222"/>
-                </a:solidFill>
-                <a:latin typeface="Arial Narrow" panose="020B0606020202030204" pitchFamily="34" charset="0"/>
-              </a:rPr>
-              <a:t>', and '</a:t>
-            </a:r>
-            <a:r>
-              <a:rPr lang="en-US" altLang="ko-KR" sz="1600" dirty="0" err="1">
-                <a:solidFill>
-                  <a:srgbClr val="222222"/>
-                </a:solidFill>
-                <a:latin typeface="Arial Narrow" panose="020B0606020202030204" pitchFamily="34" charset="0"/>
-              </a:rPr>
-              <a:t>is_available</a:t>
-            </a:r>
-            <a:r>
-              <a:rPr lang="en-US" altLang="ko-KR" sz="1600" dirty="0">
-                <a:solidFill>
-                  <a:srgbClr val="222222"/>
-                </a:solidFill>
-                <a:latin typeface="Arial Narrow" panose="020B0606020202030204" pitchFamily="34" charset="0"/>
-              </a:rPr>
-              <a:t>'. The class should also have methods '</a:t>
-            </a:r>
-            <a:r>
-              <a:rPr lang="en-US" altLang="ko-KR" sz="1600" dirty="0" err="1">
-                <a:solidFill>
-                  <a:srgbClr val="222222"/>
-                </a:solidFill>
-                <a:latin typeface="Arial Narrow" panose="020B0606020202030204" pitchFamily="34" charset="0"/>
-              </a:rPr>
-              <a:t>borrow_book</a:t>
-            </a:r>
-            <a:r>
-              <a:rPr lang="en-US" altLang="ko-KR" sz="1600" dirty="0">
-                <a:solidFill>
-                  <a:srgbClr val="222222"/>
-                </a:solidFill>
-                <a:latin typeface="Arial Narrow" panose="020B0606020202030204" pitchFamily="34" charset="0"/>
-              </a:rPr>
-              <a:t>' and '</a:t>
-            </a:r>
-            <a:r>
-              <a:rPr lang="en-US" altLang="ko-KR" sz="1600" dirty="0" err="1">
-                <a:solidFill>
-                  <a:srgbClr val="222222"/>
-                </a:solidFill>
-                <a:latin typeface="Arial Narrow" panose="020B0606020202030204" pitchFamily="34" charset="0"/>
-              </a:rPr>
-              <a:t>return_book</a:t>
-            </a:r>
-            <a:r>
-              <a:rPr lang="en-US" altLang="ko-KR" sz="1600" dirty="0">
-                <a:solidFill>
-                  <a:srgbClr val="222222"/>
-                </a:solidFill>
-                <a:latin typeface="Arial Narrow" panose="020B0606020202030204" pitchFamily="34" charset="0"/>
-              </a:rPr>
-              <a:t>' to change the availability of a book. Provide a solution for creating a new book object and demonstrate the use of the '</a:t>
-            </a:r>
-            <a:r>
-              <a:rPr lang="en-US" altLang="ko-KR" sz="1600" dirty="0" err="1">
-                <a:solidFill>
-                  <a:srgbClr val="222222"/>
-                </a:solidFill>
-                <a:latin typeface="Arial Narrow" panose="020B0606020202030204" pitchFamily="34" charset="0"/>
-              </a:rPr>
-              <a:t>borrow_book</a:t>
-            </a:r>
-            <a:r>
-              <a:rPr lang="en-US" altLang="ko-KR" sz="1600" dirty="0">
-                <a:solidFill>
-                  <a:srgbClr val="222222"/>
-                </a:solidFill>
-                <a:latin typeface="Arial Narrow" panose="020B0606020202030204" pitchFamily="34" charset="0"/>
-              </a:rPr>
-              <a:t>' and '</a:t>
-            </a:r>
-            <a:r>
-              <a:rPr lang="en-US" altLang="ko-KR" sz="1600" dirty="0" err="1">
-                <a:solidFill>
-                  <a:srgbClr val="222222"/>
-                </a:solidFill>
-                <a:latin typeface="Arial Narrow" panose="020B0606020202030204" pitchFamily="34" charset="0"/>
-              </a:rPr>
-              <a:t>return_book</a:t>
-            </a:r>
-            <a:r>
-              <a:rPr lang="en-US" altLang="ko-KR" sz="1600" dirty="0">
-                <a:solidFill>
-                  <a:srgbClr val="222222"/>
-                </a:solidFill>
-                <a:latin typeface="Arial Narrow" panose="020B0606020202030204" pitchFamily="34" charset="0"/>
-              </a:rPr>
-              <a:t>' methods.</a:t>
-            </a:r>
+                <a:hlinkClick r:id="rId3"/>
+              </a:rPr>
+              <a:t>https://colab.research.google.com/github/JunetaeKim/DeepLearningClass/blob/main/Week6/Week6_Class.ipynb</a:t>
+            </a:r>
+            <a:endParaRPr lang="ko-KR" altLang="en-US" dirty="0"/>
           </a:p>
         </p:txBody>
       </p:sp>
     </p:spTree>
     <p:extLst>
       <p:ext uri="{BB962C8B-B14F-4D97-AF65-F5344CB8AC3E}">
-        <p14:creationId xmlns:p14="http://schemas.microsoft.com/office/powerpoint/2010/main" val="3347201772"/>
+        <p14:creationId xmlns:p14="http://schemas.microsoft.com/office/powerpoint/2010/main" val="321257796"/>
       </p:ext>
     </p:extLst>
   </p:cSld>
@@ -7723,7 +7639,7 @@
         <p:spPr>
           <a:xfrm>
             <a:off x="328771" y="1139130"/>
-            <a:ext cx="7984649" cy="5031698"/>
+            <a:ext cx="7984649" cy="4385368"/>
           </a:xfrm>
           <a:prstGeom prst="rect">
             <a:avLst/>
@@ -7749,7 +7665,7 @@
                 </a:solidFill>
                 <a:latin typeface="Arial Narrow" panose="020B0606020202030204" pitchFamily="34" charset="0"/>
               </a:rPr>
-              <a:t>Exercise 2</a:t>
+              <a:t>Exercise 1</a:t>
             </a:r>
           </a:p>
           <a:p>
@@ -7806,16 +7722,7 @@
                 </a:solidFill>
                 <a:latin typeface="Arial Narrow" panose="020B0606020202030204" pitchFamily="34" charset="0"/>
               </a:rPr>
-              <a:t>John is a teacher and he wants to manage his students' grades. He needs a class to represent each student and their grades</a:t>
-            </a:r>
-            <a:r>
-              <a:rPr lang="en-US" altLang="ko-KR" sz="2000" dirty="0">
-                <a:solidFill>
-                  <a:srgbClr val="222222"/>
-                </a:solidFill>
-                <a:latin typeface="Arial Narrow" panose="020B0606020202030204" pitchFamily="34" charset="0"/>
-              </a:rPr>
-              <a:t>.</a:t>
+              <a:t>Alice is a librarian and she wants to create a simple library management system to track the books and their availability. She needs a class to represent the books in the library.</a:t>
             </a:r>
           </a:p>
           <a:p>
@@ -7872,6 +7779,429 @@
                 </a:solidFill>
                 <a:latin typeface="Arial Narrow" panose="020B0606020202030204" pitchFamily="34" charset="0"/>
               </a:rPr>
+              <a:t>Create a Python class called 'Book' with the following attributes: 'title', 'author', '</a:t>
+            </a:r>
+            <a:r>
+              <a:rPr lang="en-US" altLang="ko-KR" sz="1600" dirty="0" err="1">
+                <a:solidFill>
+                  <a:srgbClr val="222222"/>
+                </a:solidFill>
+                <a:latin typeface="Arial Narrow" panose="020B0606020202030204" pitchFamily="34" charset="0"/>
+              </a:rPr>
+              <a:t>publication_year</a:t>
+            </a:r>
+            <a:r>
+              <a:rPr lang="en-US" altLang="ko-KR" sz="1600" dirty="0">
+                <a:solidFill>
+                  <a:srgbClr val="222222"/>
+                </a:solidFill>
+                <a:latin typeface="Arial Narrow" panose="020B0606020202030204" pitchFamily="34" charset="0"/>
+              </a:rPr>
+              <a:t>', and '</a:t>
+            </a:r>
+            <a:r>
+              <a:rPr lang="en-US" altLang="ko-KR" sz="1600" dirty="0" err="1">
+                <a:solidFill>
+                  <a:srgbClr val="222222"/>
+                </a:solidFill>
+                <a:latin typeface="Arial Narrow" panose="020B0606020202030204" pitchFamily="34" charset="0"/>
+              </a:rPr>
+              <a:t>is_available</a:t>
+            </a:r>
+            <a:r>
+              <a:rPr lang="en-US" altLang="ko-KR" sz="1600" dirty="0">
+                <a:solidFill>
+                  <a:srgbClr val="222222"/>
+                </a:solidFill>
+                <a:latin typeface="Arial Narrow" panose="020B0606020202030204" pitchFamily="34" charset="0"/>
+              </a:rPr>
+              <a:t>'. The class should also have methods '</a:t>
+            </a:r>
+            <a:r>
+              <a:rPr lang="en-US" altLang="ko-KR" sz="1600" dirty="0" err="1">
+                <a:solidFill>
+                  <a:srgbClr val="222222"/>
+                </a:solidFill>
+                <a:latin typeface="Arial Narrow" panose="020B0606020202030204" pitchFamily="34" charset="0"/>
+              </a:rPr>
+              <a:t>borrow_book</a:t>
+            </a:r>
+            <a:r>
+              <a:rPr lang="en-US" altLang="ko-KR" sz="1600" dirty="0">
+                <a:solidFill>
+                  <a:srgbClr val="222222"/>
+                </a:solidFill>
+                <a:latin typeface="Arial Narrow" panose="020B0606020202030204" pitchFamily="34" charset="0"/>
+              </a:rPr>
+              <a:t>' and '</a:t>
+            </a:r>
+            <a:r>
+              <a:rPr lang="en-US" altLang="ko-KR" sz="1600" dirty="0" err="1">
+                <a:solidFill>
+                  <a:srgbClr val="222222"/>
+                </a:solidFill>
+                <a:latin typeface="Arial Narrow" panose="020B0606020202030204" pitchFamily="34" charset="0"/>
+              </a:rPr>
+              <a:t>return_book</a:t>
+            </a:r>
+            <a:r>
+              <a:rPr lang="en-US" altLang="ko-KR" sz="1600" dirty="0">
+                <a:solidFill>
+                  <a:srgbClr val="222222"/>
+                </a:solidFill>
+                <a:latin typeface="Arial Narrow" panose="020B0606020202030204" pitchFamily="34" charset="0"/>
+              </a:rPr>
+              <a:t>' to change the availability of a book. Provide a solution for creating a new book object and demonstrate the use of the '</a:t>
+            </a:r>
+            <a:r>
+              <a:rPr lang="en-US" altLang="ko-KR" sz="1600" dirty="0" err="1">
+                <a:solidFill>
+                  <a:srgbClr val="222222"/>
+                </a:solidFill>
+                <a:latin typeface="Arial Narrow" panose="020B0606020202030204" pitchFamily="34" charset="0"/>
+              </a:rPr>
+              <a:t>borrow_book</a:t>
+            </a:r>
+            <a:r>
+              <a:rPr lang="en-US" altLang="ko-KR" sz="1600" dirty="0">
+                <a:solidFill>
+                  <a:srgbClr val="222222"/>
+                </a:solidFill>
+                <a:latin typeface="Arial Narrow" panose="020B0606020202030204" pitchFamily="34" charset="0"/>
+              </a:rPr>
+              <a:t>' and '</a:t>
+            </a:r>
+            <a:r>
+              <a:rPr lang="en-US" altLang="ko-KR" sz="1600" dirty="0" err="1">
+                <a:solidFill>
+                  <a:srgbClr val="222222"/>
+                </a:solidFill>
+                <a:latin typeface="Arial Narrow" panose="020B0606020202030204" pitchFamily="34" charset="0"/>
+              </a:rPr>
+              <a:t>return_book</a:t>
+            </a:r>
+            <a:r>
+              <a:rPr lang="en-US" altLang="ko-KR" sz="1600" dirty="0">
+                <a:solidFill>
+                  <a:srgbClr val="222222"/>
+                </a:solidFill>
+                <a:latin typeface="Arial Narrow" panose="020B0606020202030204" pitchFamily="34" charset="0"/>
+              </a:rPr>
+              <a:t>' methods.</a:t>
+            </a:r>
+          </a:p>
+        </p:txBody>
+      </p:sp>
+    </p:spTree>
+    <p:extLst>
+      <p:ext uri="{BB962C8B-B14F-4D97-AF65-F5344CB8AC3E}">
+        <p14:creationId xmlns:p14="http://schemas.microsoft.com/office/powerpoint/2010/main" val="3347201772"/>
+      </p:ext>
+    </p:extLst>
+  </p:cSld>
+  <p:clrMapOvr>
+    <a:masterClrMapping/>
+  </p:clrMapOvr>
+</p:sld>
+</file>
+
+<file path=ppt/slides/slide18.xml><?xml version="1.0" encoding="utf-8"?>
+<p:sld xmlns:a="http://schemas.openxmlformats.org/drawingml/2006/main" xmlns:r="http://schemas.openxmlformats.org/officeDocument/2006/relationships" xmlns:p="http://schemas.openxmlformats.org/presentationml/2006/main">
+  <p:cSld>
+    <p:spTree>
+      <p:nvGrpSpPr>
+        <p:cNvPr id="1" name=""/>
+        <p:cNvGrpSpPr/>
+        <p:nvPr/>
+      </p:nvGrpSpPr>
+      <p:grpSpPr>
+        <a:xfrm>
+          <a:off x="0" y="0"/>
+          <a:ext cx="0" cy="0"/>
+          <a:chOff x="0" y="0"/>
+          <a:chExt cx="0" cy="0"/>
+        </a:xfrm>
+      </p:grpSpPr>
+      <p:cxnSp>
+        <p:nvCxnSpPr>
+          <p:cNvPr id="36" name="직선 연결선 35"/>
+          <p:cNvCxnSpPr/>
+          <p:nvPr/>
+        </p:nvCxnSpPr>
+        <p:spPr>
+          <a:xfrm>
+            <a:off x="361950" y="857250"/>
+            <a:ext cx="5391150" cy="0"/>
+          </a:xfrm>
+          <a:prstGeom prst="line">
+            <a:avLst/>
+          </a:prstGeom>
+          <a:ln w="38100">
+            <a:solidFill>
+              <a:schemeClr val="accent2">
+                <a:alpha val="60000"/>
+              </a:schemeClr>
+            </a:solidFill>
+          </a:ln>
+        </p:spPr>
+        <p:style>
+          <a:lnRef idx="1">
+            <a:schemeClr val="accent1"/>
+          </a:lnRef>
+          <a:fillRef idx="0">
+            <a:schemeClr val="accent1"/>
+          </a:fillRef>
+          <a:effectRef idx="0">
+            <a:schemeClr val="accent1"/>
+          </a:effectRef>
+          <a:fontRef idx="minor">
+            <a:schemeClr val="tx1"/>
+          </a:fontRef>
+        </p:style>
+      </p:cxnSp>
+      <p:cxnSp>
+        <p:nvCxnSpPr>
+          <p:cNvPr id="37" name="직선 연결선 36"/>
+          <p:cNvCxnSpPr/>
+          <p:nvPr/>
+        </p:nvCxnSpPr>
+        <p:spPr>
+          <a:xfrm>
+            <a:off x="3257550" y="933450"/>
+            <a:ext cx="5391150" cy="0"/>
+          </a:xfrm>
+          <a:prstGeom prst="line">
+            <a:avLst/>
+          </a:prstGeom>
+          <a:ln w="38100">
+            <a:solidFill>
+              <a:schemeClr val="accent6">
+                <a:alpha val="60000"/>
+              </a:schemeClr>
+            </a:solidFill>
+          </a:ln>
+        </p:spPr>
+        <p:style>
+          <a:lnRef idx="1">
+            <a:schemeClr val="accent1"/>
+          </a:lnRef>
+          <a:fillRef idx="0">
+            <a:schemeClr val="accent1"/>
+          </a:fillRef>
+          <a:effectRef idx="0">
+            <a:schemeClr val="accent1"/>
+          </a:effectRef>
+          <a:fontRef idx="minor">
+            <a:schemeClr val="tx1"/>
+          </a:fontRef>
+        </p:style>
+      </p:cxnSp>
+      <p:sp>
+        <p:nvSpPr>
+          <p:cNvPr id="8" name="직사각형 7">
+            <a:extLst>
+              <a:ext uri="{FF2B5EF4-FFF2-40B4-BE49-F238E27FC236}">
+                <a16:creationId xmlns:a16="http://schemas.microsoft.com/office/drawing/2014/main" id="{71526429-7C47-4997-9969-04DFBBFA4E21}"/>
+              </a:ext>
+            </a:extLst>
+          </p:cNvPr>
+          <p:cNvSpPr/>
+          <p:nvPr/>
+        </p:nvSpPr>
+        <p:spPr>
+          <a:xfrm>
+            <a:off x="299839" y="70603"/>
+            <a:ext cx="8544322" cy="656846"/>
+          </a:xfrm>
+          <a:prstGeom prst="rect">
+            <a:avLst/>
+          </a:prstGeom>
+        </p:spPr>
+        <p:txBody>
+          <a:bodyPr wrap="square">
+            <a:spAutoFit/>
+          </a:bodyPr>
+          <a:lstStyle/>
+          <a:p>
+            <a:pPr>
+              <a:lnSpc>
+                <a:spcPct val="150000"/>
+              </a:lnSpc>
+            </a:pPr>
+            <a:r>
+              <a:rPr lang="en-US" altLang="ko-KR" sz="2800" dirty="0">
+                <a:latin typeface="Arial Narrow" panose="020B0606020202030204" pitchFamily="34" charset="0"/>
+                <a:cs typeface="Times New Roman" panose="02020603050405020304" pitchFamily="18" charset="0"/>
+              </a:rPr>
+              <a:t>Student exercise</a:t>
+            </a:r>
+          </a:p>
+        </p:txBody>
+      </p:sp>
+      <p:sp>
+        <p:nvSpPr>
+          <p:cNvPr id="7" name="직사각형 6">
+            <a:extLst>
+              <a:ext uri="{FF2B5EF4-FFF2-40B4-BE49-F238E27FC236}">
+                <a16:creationId xmlns:a16="http://schemas.microsoft.com/office/drawing/2014/main" id="{84E735BC-AE4C-4D07-AF6F-938EFDB3D2EC}"/>
+              </a:ext>
+            </a:extLst>
+          </p:cNvPr>
+          <p:cNvSpPr/>
+          <p:nvPr/>
+        </p:nvSpPr>
+        <p:spPr>
+          <a:xfrm>
+            <a:off x="328771" y="1139130"/>
+            <a:ext cx="7984649" cy="5031698"/>
+          </a:xfrm>
+          <a:prstGeom prst="rect">
+            <a:avLst/>
+          </a:prstGeom>
+        </p:spPr>
+        <p:txBody>
+          <a:bodyPr wrap="square">
+            <a:spAutoFit/>
+          </a:bodyPr>
+          <a:lstStyle/>
+          <a:p>
+            <a:pPr marL="284400" indent="-284400">
+              <a:lnSpc>
+                <a:spcPct val="150000"/>
+              </a:lnSpc>
+              <a:buFont typeface="Arial" panose="020B0604020202020204" pitchFamily="34" charset="0"/>
+              <a:buChar char="•"/>
+            </a:pPr>
+            <a:r>
+              <a:rPr lang="en-US" altLang="ko-KR" sz="2000" dirty="0">
+                <a:solidFill>
+                  <a:srgbClr val="222222"/>
+                </a:solidFill>
+                <a:latin typeface="Arial Narrow" panose="020B0606020202030204" pitchFamily="34" charset="0"/>
+              </a:rPr>
+              <a:t>Exercise 2</a:t>
+            </a:r>
+          </a:p>
+          <a:p>
+            <a:pPr marL="284400" indent="-284400">
+              <a:lnSpc>
+                <a:spcPct val="150000"/>
+              </a:lnSpc>
+              <a:buFont typeface="Arial" panose="020B0604020202020204" pitchFamily="34" charset="0"/>
+              <a:buChar char="•"/>
+            </a:pPr>
+            <a:endParaRPr lang="en-US" altLang="ko-KR" dirty="0">
+              <a:solidFill>
+                <a:srgbClr val="222222"/>
+              </a:solidFill>
+              <a:latin typeface="Arial Narrow" panose="020B0606020202030204" pitchFamily="34" charset="0"/>
+            </a:endParaRPr>
+          </a:p>
+          <a:p>
+            <a:pPr marL="284400" indent="-284400">
+              <a:lnSpc>
+                <a:spcPct val="150000"/>
+              </a:lnSpc>
+              <a:buFont typeface="Arial" panose="020B0604020202020204" pitchFamily="34" charset="0"/>
+              <a:buChar char="•"/>
+            </a:pPr>
+            <a:r>
+              <a:rPr lang="en-US" altLang="ko-KR" dirty="0">
+                <a:solidFill>
+                  <a:srgbClr val="222222"/>
+                </a:solidFill>
+                <a:latin typeface="Arial Narrow" panose="020B0606020202030204" pitchFamily="34" charset="0"/>
+              </a:rPr>
+              <a:t>Background</a:t>
+            </a:r>
+            <a:endParaRPr lang="en-US" altLang="ko-KR" sz="2000" dirty="0">
+              <a:solidFill>
+                <a:srgbClr val="222222"/>
+              </a:solidFill>
+              <a:latin typeface="Arial Narrow" panose="020B0606020202030204" pitchFamily="34" charset="0"/>
+            </a:endParaRPr>
+          </a:p>
+          <a:p>
+            <a:pPr marL="741600" lvl="1" indent="-284400">
+              <a:lnSpc>
+                <a:spcPct val="150000"/>
+              </a:lnSpc>
+              <a:buFont typeface="Arial" panose="020B0604020202020204" pitchFamily="34" charset="0"/>
+              <a:buChar char="•"/>
+            </a:pPr>
+            <a:r>
+              <a:rPr lang="en-US" altLang="ko-KR" sz="1600" dirty="0">
+                <a:solidFill>
+                  <a:srgbClr val="222222"/>
+                </a:solidFill>
+                <a:latin typeface="Arial Narrow" panose="020B0606020202030204" pitchFamily="34" charset="0"/>
+              </a:rPr>
+              <a:t>John is a teacher and he wants to manage his students' grades. He needs a class to represent each student and their grades</a:t>
+            </a:r>
+            <a:r>
+              <a:rPr lang="en-US" altLang="ko-KR" sz="2000" dirty="0">
+                <a:solidFill>
+                  <a:srgbClr val="222222"/>
+                </a:solidFill>
+                <a:latin typeface="Arial Narrow" panose="020B0606020202030204" pitchFamily="34" charset="0"/>
+              </a:rPr>
+              <a:t>.</a:t>
+            </a:r>
+          </a:p>
+          <a:p>
+            <a:pPr marL="284400" indent="-284400">
+              <a:lnSpc>
+                <a:spcPct val="150000"/>
+              </a:lnSpc>
+              <a:buFont typeface="Arial" panose="020B0604020202020204" pitchFamily="34" charset="0"/>
+              <a:buChar char="•"/>
+            </a:pPr>
+            <a:endParaRPr lang="en-US" altLang="ko-KR" dirty="0">
+              <a:solidFill>
+                <a:srgbClr val="222222"/>
+              </a:solidFill>
+              <a:latin typeface="Arial Narrow" panose="020B0606020202030204" pitchFamily="34" charset="0"/>
+            </a:endParaRPr>
+          </a:p>
+          <a:p>
+            <a:pPr marL="284400" indent="-284400">
+              <a:lnSpc>
+                <a:spcPct val="150000"/>
+              </a:lnSpc>
+              <a:buFont typeface="Arial" panose="020B0604020202020204" pitchFamily="34" charset="0"/>
+              <a:buChar char="•"/>
+            </a:pPr>
+            <a:r>
+              <a:rPr lang="en-US" altLang="ko-KR" dirty="0">
+                <a:solidFill>
+                  <a:srgbClr val="222222"/>
+                </a:solidFill>
+                <a:latin typeface="Arial Narrow" panose="020B0606020202030204" pitchFamily="34" charset="0"/>
+              </a:rPr>
+              <a:t>Question</a:t>
+            </a:r>
+            <a:endParaRPr lang="en-US" altLang="ko-KR" sz="2000" dirty="0">
+              <a:solidFill>
+                <a:srgbClr val="222222"/>
+              </a:solidFill>
+              <a:latin typeface="Arial Narrow" panose="020B0606020202030204" pitchFamily="34" charset="0"/>
+            </a:endParaRPr>
+          </a:p>
+          <a:p>
+            <a:pPr marL="741600" lvl="1" indent="-284400">
+              <a:lnSpc>
+                <a:spcPct val="150000"/>
+              </a:lnSpc>
+              <a:buFont typeface="Arial" panose="020B0604020202020204" pitchFamily="34" charset="0"/>
+              <a:buChar char="•"/>
+            </a:pPr>
+            <a:r>
+              <a:rPr lang="en-US" altLang="ko-KR" sz="1600" dirty="0">
+                <a:solidFill>
+                  <a:srgbClr val="222222"/>
+                </a:solidFill>
+                <a:latin typeface="Arial Narrow" panose="020B0606020202030204" pitchFamily="34" charset="0"/>
+              </a:rPr>
               <a:t>Create a Python class called 'Student' with the following attributes: 'name', 'age', and 'grades' (a dictionary containing subject names as keys and grades as values). The class should also have methods '</a:t>
             </a:r>
             <a:r>
@@ -7968,7 +8298,7 @@
 </p:sld>
 </file>
 
-<file path=ppt/slides/slide18.xml><?xml version="1.0" encoding="utf-8"?>
+<file path=ppt/slides/slide19.xml><?xml version="1.0" encoding="utf-8"?>
 <p:sld xmlns:a="http://schemas.openxmlformats.org/drawingml/2006/main" xmlns:r="http://schemas.openxmlformats.org/officeDocument/2006/relationships" xmlns:p="http://schemas.openxmlformats.org/presentationml/2006/main">
   <p:cSld>
     <p:spTree>
